--- a/SLIDE 8D.pptx
+++ b/SLIDE 8D.pptx
@@ -5,10 +5,10 @@
     <p:sldMasterId id="2147483672" r:id="rId1"/>
   </p:sldMasterIdLst>
   <p:notesMasterIdLst>
-    <p:notesMasterId r:id="rId9"/>
+    <p:notesMasterId r:id="rId11"/>
   </p:notesMasterIdLst>
   <p:handoutMasterIdLst>
-    <p:handoutMasterId r:id="rId10"/>
+    <p:handoutMasterId r:id="rId12"/>
   </p:handoutMasterIdLst>
   <p:sldIdLst>
     <p:sldId id="256" r:id="rId2"/>
@@ -17,7 +17,9 @@
     <p:sldId id="301" r:id="rId5"/>
     <p:sldId id="302" r:id="rId6"/>
     <p:sldId id="303" r:id="rId7"/>
-    <p:sldId id="304" r:id="rId8"/>
+    <p:sldId id="305" r:id="rId8"/>
+    <p:sldId id="306" r:id="rId9"/>
+    <p:sldId id="304" r:id="rId10"/>
   </p:sldIdLst>
   <p:sldSz cx="12192000" cy="6858000"/>
   <p:notesSz cx="6858000" cy="9144000"/>
@@ -223,7 +225,7 @@
             <a:pPr rtl="0"/>
             <a:fld id="{A517C7B7-34F5-4531-9889-28687F60FAC8}" type="datetime1">
               <a:rPr lang="pt-BR" smtClean="0"/>
-              <a:t>28/11/2024</a:t>
+              <a:t>02/12/2024</a:t>
             </a:fld>
             <a:endParaRPr lang="pt-BR" dirty="0"/>
           </a:p>
@@ -404,7 +406,7 @@
             <a:fld id="{40C3EC75-555C-481D-9088-738CE6DDFC83}" type="datetime1">
               <a:rPr lang="pt-BR" smtClean="0"/>
               <a:pPr/>
-              <a:t>28/11/2024</a:t>
+              <a:t>02/12/2024</a:t>
             </a:fld>
             <a:endParaRPr lang="pt-BR" dirty="0"/>
           </a:p>
@@ -848,7 +850,7 @@
             <a:pPr rtl="0"/>
             <a:fld id="{37CEA42B-4D92-4564-AD47-A086657BE9F0}" type="datetime1">
               <a:rPr lang="pt-BR" noProof="0" smtClean="0"/>
-              <a:t>28/11/2024</a:t>
+              <a:t>02/12/2024</a:t>
             </a:fld>
             <a:endParaRPr lang="pt-BR" noProof="0"/>
           </a:p>
@@ -944,6 +946,18 @@
   <p:clrMapOvr>
     <a:masterClrMapping/>
   </p:clrMapOvr>
+  <mc:AlternateContent xmlns:mc="http://schemas.openxmlformats.org/markup-compatibility/2006">
+    <mc:Choice xmlns:p14="http://schemas.microsoft.com/office/powerpoint/2010/main" Requires="p14">
+      <p:transition spd="med" p14:dur="700">
+        <p:fade/>
+      </p:transition>
+    </mc:Choice>
+    <mc:Fallback>
+      <p:transition spd="med">
+        <p:fade/>
+      </p:transition>
+    </mc:Fallback>
+  </mc:AlternateContent>
 </p:sldLayout>
 </file>
 
@@ -1116,7 +1130,7 @@
             <a:pPr rtl="0"/>
             <a:fld id="{A2CE4A48-27E6-45A7-B706-3A2ADAC4C1F1}" type="datetime1">
               <a:rPr lang="pt-BR" noProof="0" smtClean="0"/>
-              <a:t>28/11/2024</a:t>
+              <a:t>02/12/2024</a:t>
             </a:fld>
             <a:endParaRPr lang="pt-BR" noProof="0"/>
           </a:p>
@@ -1185,6 +1199,18 @@
   <p:clrMapOvr>
     <a:masterClrMapping/>
   </p:clrMapOvr>
+  <mc:AlternateContent xmlns:mc="http://schemas.openxmlformats.org/markup-compatibility/2006">
+    <mc:Choice xmlns:p14="http://schemas.microsoft.com/office/powerpoint/2010/main" Requires="p14">
+      <p:transition spd="med" p14:dur="700">
+        <p:fade/>
+      </p:transition>
+    </mc:Choice>
+    <mc:Fallback>
+      <p:transition spd="med">
+        <p:fade/>
+      </p:transition>
+    </mc:Fallback>
+  </mc:AlternateContent>
 </p:sldLayout>
 </file>
 
@@ -1362,7 +1388,7 @@
             <a:pPr rtl="0"/>
             <a:fld id="{AC12553E-9F0D-4196-8EC9-CCBEEC106D69}" type="datetime1">
               <a:rPr lang="pt-BR" noProof="0" smtClean="0"/>
-              <a:t>28/11/2024</a:t>
+              <a:t>02/12/2024</a:t>
             </a:fld>
             <a:endParaRPr lang="pt-BR" noProof="0"/>
           </a:p>
@@ -1447,6 +1473,18 @@
   <p:clrMapOvr>
     <a:masterClrMapping/>
   </p:clrMapOvr>
+  <mc:AlternateContent xmlns:mc="http://schemas.openxmlformats.org/markup-compatibility/2006">
+    <mc:Choice xmlns:p14="http://schemas.microsoft.com/office/powerpoint/2010/main" Requires="p14">
+      <p:transition spd="med" p14:dur="700">
+        <p:fade/>
+      </p:transition>
+    </mc:Choice>
+    <mc:Fallback>
+      <p:transition spd="med">
+        <p:fade/>
+      </p:transition>
+    </mc:Fallback>
+  </mc:AlternateContent>
 </p:sldLayout>
 </file>
 
@@ -1615,7 +1653,7 @@
             <a:pPr rtl="0"/>
             <a:fld id="{71F2939B-D743-446D-ACF3-E3CBED4CB8BA}" type="datetime1">
               <a:rPr lang="pt-BR" noProof="0" smtClean="0"/>
-              <a:t>28/11/2024</a:t>
+              <a:t>02/12/2024</a:t>
             </a:fld>
             <a:endParaRPr lang="pt-BR" noProof="0"/>
           </a:p>
@@ -1714,6 +1752,18 @@
   <p:clrMapOvr>
     <a:masterClrMapping/>
   </p:clrMapOvr>
+  <mc:AlternateContent xmlns:mc="http://schemas.openxmlformats.org/markup-compatibility/2006">
+    <mc:Choice xmlns:p14="http://schemas.microsoft.com/office/powerpoint/2010/main" Requires="p14">
+      <p:transition spd="med" p14:dur="700">
+        <p:fade/>
+      </p:transition>
+    </mc:Choice>
+    <mc:Fallback>
+      <p:transition spd="med">
+        <p:fade/>
+      </p:transition>
+    </mc:Fallback>
+  </mc:AlternateContent>
 </p:sldLayout>
 </file>
 
@@ -1959,7 +2009,7 @@
             <a:pPr rtl="0"/>
             <a:fld id="{A508F9F7-7F47-4883-8BFB-EF2350BE4F84}" type="datetime1">
               <a:rPr lang="pt-BR" noProof="0" smtClean="0"/>
-              <a:t>28/11/2024</a:t>
+              <a:t>02/12/2024</a:t>
             </a:fld>
             <a:endParaRPr lang="pt-BR" noProof="0"/>
           </a:p>
@@ -2050,6 +2100,18 @@
   <p:clrMapOvr>
     <a:masterClrMapping/>
   </p:clrMapOvr>
+  <mc:AlternateContent xmlns:mc="http://schemas.openxmlformats.org/markup-compatibility/2006">
+    <mc:Choice xmlns:p14="http://schemas.microsoft.com/office/powerpoint/2010/main" Requires="p14">
+      <p:transition spd="med" p14:dur="700">
+        <p:fade/>
+      </p:transition>
+    </mc:Choice>
+    <mc:Fallback>
+      <p:transition spd="med">
+        <p:fade/>
+      </p:transition>
+    </mc:Fallback>
+  </mc:AlternateContent>
 </p:sldLayout>
 </file>
 
@@ -2271,7 +2333,7 @@
             <a:pPr rtl="0"/>
             <a:fld id="{7AF9326F-2CC1-4EA3-94BE-9AD41BFA5945}" type="datetime1">
               <a:rPr lang="pt-BR" noProof="0" smtClean="0"/>
-              <a:t>28/11/2024</a:t>
+              <a:t>02/12/2024</a:t>
             </a:fld>
             <a:endParaRPr lang="pt-BR" noProof="0"/>
           </a:p>
@@ -2340,6 +2402,18 @@
   <p:clrMapOvr>
     <a:masterClrMapping/>
   </p:clrMapOvr>
+  <mc:AlternateContent xmlns:mc="http://schemas.openxmlformats.org/markup-compatibility/2006">
+    <mc:Choice xmlns:p14="http://schemas.microsoft.com/office/powerpoint/2010/main" Requires="p14">
+      <p:transition spd="med" p14:dur="700">
+        <p:fade/>
+      </p:transition>
+    </mc:Choice>
+    <mc:Fallback>
+      <p:transition spd="med">
+        <p:fade/>
+      </p:transition>
+    </mc:Fallback>
+  </mc:AlternateContent>
 </p:sldLayout>
 </file>
 
@@ -2703,7 +2777,7 @@
             <a:pPr rtl="0"/>
             <a:fld id="{70257B4C-7020-4962-B23A-2E342505DB7A}" type="datetime1">
               <a:rPr lang="pt-BR" noProof="0" smtClean="0"/>
-              <a:t>28/11/2024</a:t>
+              <a:t>02/12/2024</a:t>
             </a:fld>
             <a:endParaRPr lang="pt-BR" noProof="0"/>
           </a:p>
@@ -2772,6 +2846,18 @@
   <p:clrMapOvr>
     <a:masterClrMapping/>
   </p:clrMapOvr>
+  <mc:AlternateContent xmlns:mc="http://schemas.openxmlformats.org/markup-compatibility/2006">
+    <mc:Choice xmlns:p14="http://schemas.microsoft.com/office/powerpoint/2010/main" Requires="p14">
+      <p:transition spd="med" p14:dur="700">
+        <p:fade/>
+      </p:transition>
+    </mc:Choice>
+    <mc:Fallback>
+      <p:transition spd="med">
+        <p:fade/>
+      </p:transition>
+    </mc:Fallback>
+  </mc:AlternateContent>
 </p:sldLayout>
 </file>
 
@@ -2810,7 +2896,7 @@
             <a:pPr rtl="0"/>
             <a:fld id="{545FB06D-F7E4-40FE-AD63-803D2CFF4D50}" type="datetime1">
               <a:rPr lang="pt-BR" noProof="0" smtClean="0"/>
-              <a:t>28/11/2024</a:t>
+              <a:t>02/12/2024</a:t>
             </a:fld>
             <a:endParaRPr lang="pt-BR" noProof="0"/>
           </a:p>
@@ -2946,6 +3032,18 @@
   <p:clrMapOvr>
     <a:masterClrMapping/>
   </p:clrMapOvr>
+  <mc:AlternateContent xmlns:mc="http://schemas.openxmlformats.org/markup-compatibility/2006">
+    <mc:Choice xmlns:p14="http://schemas.microsoft.com/office/powerpoint/2010/main" Requires="p14">
+      <p:transition spd="med" p14:dur="700">
+        <p:fade/>
+      </p:transition>
+    </mc:Choice>
+    <mc:Fallback>
+      <p:transition spd="med">
+        <p:fade/>
+      </p:transition>
+    </mc:Fallback>
+  </mc:AlternateContent>
 </p:sldLayout>
 </file>
 
@@ -2984,7 +3082,7 @@
             <a:pPr rtl="0"/>
             <a:fld id="{24A95BE4-5E85-4670-8249-E33BB793EB65}" type="datetime1">
               <a:rPr lang="pt-BR" noProof="0" smtClean="0"/>
-              <a:t>28/11/2024</a:t>
+              <a:t>02/12/2024</a:t>
             </a:fld>
             <a:endParaRPr lang="pt-BR" noProof="0"/>
           </a:p>
@@ -3053,6 +3151,18 @@
   <p:clrMapOvr>
     <a:masterClrMapping/>
   </p:clrMapOvr>
+  <mc:AlternateContent xmlns:mc="http://schemas.openxmlformats.org/markup-compatibility/2006">
+    <mc:Choice xmlns:p14="http://schemas.microsoft.com/office/powerpoint/2010/main" Requires="p14">
+      <p:transition spd="med" p14:dur="700">
+        <p:fade/>
+      </p:transition>
+    </mc:Choice>
+    <mc:Fallback>
+      <p:transition spd="med">
+        <p:fade/>
+      </p:transition>
+    </mc:Fallback>
+  </mc:AlternateContent>
 </p:sldLayout>
 </file>
 
@@ -3373,7 +3483,7 @@
             <a:pPr rtl="0"/>
             <a:fld id="{83C75856-C47E-41AD-8087-F44BFDA1D01F}" type="datetime1">
               <a:rPr lang="pt-BR" noProof="0" smtClean="0"/>
-              <a:t>28/11/2024</a:t>
+              <a:t>02/12/2024</a:t>
             </a:fld>
             <a:endParaRPr lang="pt-BR" noProof="0"/>
           </a:p>
@@ -3464,6 +3574,18 @@
   <p:clrMapOvr>
     <a:masterClrMapping/>
   </p:clrMapOvr>
+  <mc:AlternateContent xmlns:mc="http://schemas.openxmlformats.org/markup-compatibility/2006">
+    <mc:Choice xmlns:p14="http://schemas.microsoft.com/office/powerpoint/2010/main" Requires="p14">
+      <p:transition spd="med" p14:dur="700">
+        <p:fade/>
+      </p:transition>
+    </mc:Choice>
+    <mc:Fallback>
+      <p:transition spd="med">
+        <p:fade/>
+      </p:transition>
+    </mc:Fallback>
+  </mc:AlternateContent>
 </p:sldLayout>
 </file>
 
@@ -3674,7 +3796,7 @@
             <a:pPr rtl="0"/>
             <a:fld id="{B1A7DDA3-040A-40D8-9E6F-1F6B63F4F6A0}" type="datetime1">
               <a:rPr lang="pt-BR" noProof="0" smtClean="0"/>
-              <a:t>28/11/2024</a:t>
+              <a:t>02/12/2024</a:t>
             </a:fld>
             <a:endParaRPr lang="pt-BR" noProof="0"/>
           </a:p>
@@ -3743,6 +3865,18 @@
   <p:clrMapOvr>
     <a:masterClrMapping/>
   </p:clrMapOvr>
+  <mc:AlternateContent xmlns:mc="http://schemas.openxmlformats.org/markup-compatibility/2006">
+    <mc:Choice xmlns:p14="http://schemas.microsoft.com/office/powerpoint/2010/main" Requires="p14">
+      <p:transition spd="med" p14:dur="700">
+        <p:fade/>
+      </p:transition>
+    </mc:Choice>
+    <mc:Fallback>
+      <p:transition spd="med">
+        <p:fade/>
+      </p:transition>
+    </mc:Fallback>
+  </mc:AlternateContent>
 </p:sldLayout>
 </file>
 
@@ -3917,7 +4051,7 @@
             <a:pPr rtl="0"/>
             <a:fld id="{EB24666E-0919-4521-B954-D4300E3ABD05}" type="datetime1">
               <a:rPr lang="pt-BR" noProof="0" smtClean="0"/>
-              <a:t>28/11/2024</a:t>
+              <a:t>02/12/2024</a:t>
             </a:fld>
             <a:endParaRPr lang="pt-BR" noProof="0"/>
           </a:p>
@@ -4103,6 +4237,18 @@
     <p:sldLayoutId id="2147483682" r:id="rId10"/>
     <p:sldLayoutId id="2147483683" r:id="rId11"/>
   </p:sldLayoutIdLst>
+  <mc:AlternateContent xmlns:mc="http://schemas.openxmlformats.org/markup-compatibility/2006">
+    <mc:Choice xmlns:p14="http://schemas.microsoft.com/office/powerpoint/2010/main" Requires="p14">
+      <p:transition spd="med" p14:dur="700">
+        <p:fade/>
+      </p:transition>
+    </mc:Choice>
+    <mc:Fallback>
+      <p:transition spd="med">
+        <p:fade/>
+      </p:transition>
+    </mc:Fallback>
+  </mc:AlternateContent>
   <p:hf sldNum="0" hdr="0" dt="0"/>
   <p:txStyles>
     <p:titleStyle>
@@ -4694,6 +4840,18 @@
   <p:clrMapOvr>
     <a:masterClrMapping/>
   </p:clrMapOvr>
+  <mc:AlternateContent xmlns:mc="http://schemas.openxmlformats.org/markup-compatibility/2006">
+    <mc:Choice xmlns:p14="http://schemas.microsoft.com/office/powerpoint/2010/main" Requires="p14">
+      <p:transition spd="med" p14:dur="700">
+        <p:fade/>
+      </p:transition>
+    </mc:Choice>
+    <mc:Fallback>
+      <p:transition spd="med">
+        <p:fade/>
+      </p:transition>
+    </mc:Fallback>
+  </mc:AlternateContent>
 </p:sld>
 </file>
 
@@ -5383,6 +5541,18 @@
   <p:clrMapOvr>
     <a:masterClrMapping/>
   </p:clrMapOvr>
+  <mc:AlternateContent xmlns:mc="http://schemas.openxmlformats.org/markup-compatibility/2006">
+    <mc:Choice xmlns:p14="http://schemas.microsoft.com/office/powerpoint/2010/main" Requires="p14">
+      <p:transition spd="med" p14:dur="700">
+        <p:fade/>
+      </p:transition>
+    </mc:Choice>
+    <mc:Fallback>
+      <p:transition spd="med">
+        <p:fade/>
+      </p:transition>
+    </mc:Fallback>
+  </mc:AlternateContent>
 </p:sld>
 </file>
 
@@ -6222,6 +6392,18 @@
   <p:clrMapOvr>
     <a:masterClrMapping/>
   </p:clrMapOvr>
+  <mc:AlternateContent xmlns:mc="http://schemas.openxmlformats.org/markup-compatibility/2006">
+    <mc:Choice xmlns:p14="http://schemas.microsoft.com/office/powerpoint/2010/main" Requires="p14">
+      <p:transition spd="med" p14:dur="700">
+        <p:fade/>
+      </p:transition>
+    </mc:Choice>
+    <mc:Fallback>
+      <p:transition spd="med">
+        <p:fade/>
+      </p:transition>
+    </mc:Fallback>
+  </mc:AlternateContent>
 </p:sld>
 </file>
 
@@ -6467,6 +6649,18 @@
   <p:clrMapOvr>
     <a:masterClrMapping/>
   </p:clrMapOvr>
+  <mc:AlternateContent xmlns:mc="http://schemas.openxmlformats.org/markup-compatibility/2006">
+    <mc:Choice xmlns:p14="http://schemas.microsoft.com/office/powerpoint/2010/main" Requires="p14">
+      <p:transition spd="med" p14:dur="700">
+        <p:fade/>
+      </p:transition>
+    </mc:Choice>
+    <mc:Fallback>
+      <p:transition spd="med">
+        <p:fade/>
+      </p:transition>
+    </mc:Fallback>
+  </mc:AlternateContent>
 </p:sld>
 </file>
 
@@ -6763,6 +6957,18 @@
   <p:clrMapOvr>
     <a:masterClrMapping/>
   </p:clrMapOvr>
+  <mc:AlternateContent xmlns:mc="http://schemas.openxmlformats.org/markup-compatibility/2006">
+    <mc:Choice xmlns:p14="http://schemas.microsoft.com/office/powerpoint/2010/main" Requires="p14">
+      <p:transition spd="med" p14:dur="700">
+        <p:fade/>
+      </p:transition>
+    </mc:Choice>
+    <mc:Fallback>
+      <p:transition spd="med">
+        <p:fade/>
+      </p:transition>
+    </mc:Fallback>
+  </mc:AlternateContent>
 </p:sld>
 </file>
 
@@ -7061,10 +7267,704 @@
   <p:clrMapOvr>
     <a:masterClrMapping/>
   </p:clrMapOvr>
+  <mc:AlternateContent xmlns:mc="http://schemas.openxmlformats.org/markup-compatibility/2006">
+    <mc:Choice xmlns:p14="http://schemas.microsoft.com/office/powerpoint/2010/main" Requires="p14">
+      <p:transition spd="med" p14:dur="700">
+        <p:fade/>
+      </p:transition>
+    </mc:Choice>
+    <mc:Fallback>
+      <p:transition spd="med">
+        <p:fade/>
+      </p:transition>
+    </mc:Fallback>
+  </mc:AlternateContent>
 </p:sld>
 </file>
 
 <file path=ppt/slides/slide7.xml><?xml version="1.0" encoding="utf-8"?>
+<p:sld xmlns:a="http://schemas.openxmlformats.org/drawingml/2006/main" xmlns:r="http://schemas.openxmlformats.org/officeDocument/2006/relationships" xmlns:p="http://schemas.openxmlformats.org/presentationml/2006/main">
+  <p:cSld>
+    <p:spTree>
+      <p:nvGrpSpPr>
+        <p:cNvPr id="1" name="">
+          <a:extLst>
+            <a:ext uri="{FF2B5EF4-FFF2-40B4-BE49-F238E27FC236}">
+              <a16:creationId xmlns:a16="http://schemas.microsoft.com/office/drawing/2014/main" id="{45F29DBB-0275-5BD0-6105-3E9F32A90787}"/>
+            </a:ext>
+          </a:extLst>
+        </p:cNvPr>
+        <p:cNvGrpSpPr/>
+        <p:nvPr/>
+      </p:nvGrpSpPr>
+      <p:grpSpPr>
+        <a:xfrm>
+          <a:off x="0" y="0"/>
+          <a:ext cx="0" cy="0"/>
+          <a:chOff x="0" y="0"/>
+          <a:chExt cx="0" cy="0"/>
+        </a:xfrm>
+      </p:grpSpPr>
+      <p:sp>
+        <p:nvSpPr>
+          <p:cNvPr id="13" name="Retângulo 12">
+            <a:extLst>
+              <a:ext uri="{FF2B5EF4-FFF2-40B4-BE49-F238E27FC236}">
+                <a16:creationId xmlns:a16="http://schemas.microsoft.com/office/drawing/2014/main" id="{4D15E9C5-7C6F-3324-CE37-D9197CDCD160}"/>
+              </a:ext>
+            </a:extLst>
+          </p:cNvPr>
+          <p:cNvSpPr/>
+          <p:nvPr/>
+        </p:nvSpPr>
+        <p:spPr>
+          <a:xfrm>
+            <a:off x="0" y="6127943"/>
+            <a:ext cx="12192000" cy="730058"/>
+          </a:xfrm>
+          <a:prstGeom prst="rect">
+            <a:avLst/>
+          </a:prstGeom>
+          <a:solidFill>
+            <a:srgbClr val="3A3A3A"/>
+          </a:solidFill>
+          <a:ln>
+            <a:noFill/>
+          </a:ln>
+        </p:spPr>
+        <p:style>
+          <a:lnRef idx="2">
+            <a:schemeClr val="accent1">
+              <a:shade val="15000"/>
+            </a:schemeClr>
+          </a:lnRef>
+          <a:fillRef idx="1">
+            <a:schemeClr val="accent1"/>
+          </a:fillRef>
+          <a:effectRef idx="0">
+            <a:schemeClr val="accent1"/>
+          </a:effectRef>
+          <a:fontRef idx="minor">
+            <a:schemeClr val="lt1"/>
+          </a:fontRef>
+        </p:style>
+        <p:txBody>
+          <a:bodyPr rtlCol="0" anchor="ctr"/>
+          <a:lstStyle/>
+          <a:p>
+            <a:pPr algn="ctr"/>
+            <a:endParaRPr lang="pt-BR"/>
+          </a:p>
+        </p:txBody>
+      </p:sp>
+      <p:sp>
+        <p:nvSpPr>
+          <p:cNvPr id="23" name="Retângulo 22">
+            <a:extLst>
+              <a:ext uri="{FF2B5EF4-FFF2-40B4-BE49-F238E27FC236}">
+                <a16:creationId xmlns:a16="http://schemas.microsoft.com/office/drawing/2014/main" id="{4A77713C-BF5A-CCDE-8642-100BB32E9D20}"/>
+              </a:ext>
+            </a:extLst>
+          </p:cNvPr>
+          <p:cNvSpPr/>
+          <p:nvPr/>
+        </p:nvSpPr>
+        <p:spPr>
+          <a:xfrm>
+            <a:off x="0" y="6139542"/>
+            <a:ext cx="12192000" cy="718457"/>
+          </a:xfrm>
+          <a:prstGeom prst="rect">
+            <a:avLst/>
+          </a:prstGeom>
+          <a:solidFill>
+            <a:srgbClr val="3A3A3A"/>
+          </a:solidFill>
+          <a:ln>
+            <a:noFill/>
+          </a:ln>
+        </p:spPr>
+        <p:style>
+          <a:lnRef idx="2">
+            <a:schemeClr val="accent1">
+              <a:shade val="15000"/>
+            </a:schemeClr>
+          </a:lnRef>
+          <a:fillRef idx="1">
+            <a:schemeClr val="accent1"/>
+          </a:fillRef>
+          <a:effectRef idx="0">
+            <a:schemeClr val="accent1"/>
+          </a:effectRef>
+          <a:fontRef idx="minor">
+            <a:schemeClr val="lt1"/>
+          </a:fontRef>
+        </p:style>
+        <p:txBody>
+          <a:bodyPr rtlCol="0" anchor="ctr"/>
+          <a:lstStyle/>
+          <a:p>
+            <a:pPr algn="ctr"/>
+            <a:endParaRPr lang="pt-BR"/>
+          </a:p>
+        </p:txBody>
+      </p:sp>
+      <p:sp>
+        <p:nvSpPr>
+          <p:cNvPr id="24" name="Espaço Reservado para Rodapé 3">
+            <a:extLst>
+              <a:ext uri="{FF2B5EF4-FFF2-40B4-BE49-F238E27FC236}">
+                <a16:creationId xmlns:a16="http://schemas.microsoft.com/office/drawing/2014/main" id="{EFBAC197-41C3-98DF-98C8-22C3050207A2}"/>
+              </a:ext>
+            </a:extLst>
+          </p:cNvPr>
+          <p:cNvSpPr>
+            <a:spLocks noGrp="1"/>
+          </p:cNvSpPr>
+          <p:nvPr>
+            <p:ph type="ftr" sz="quarter" idx="11"/>
+          </p:nvPr>
+        </p:nvSpPr>
+        <p:spPr>
+          <a:xfrm>
+            <a:off x="0" y="6259528"/>
+            <a:ext cx="2493820" cy="598471"/>
+          </a:xfrm>
+        </p:spPr>
+        <p:txBody>
+          <a:bodyPr/>
+          <a:lstStyle/>
+          <a:p>
+            <a:pPr rtl="0"/>
+            <a:endParaRPr lang="pt-BR" u="sng" noProof="0" dirty="0">
+              <a:latin typeface="Exo" pitchFamily="2" charset="0"/>
+            </a:endParaRPr>
+          </a:p>
+        </p:txBody>
+      </p:sp>
+      <p:sp>
+        <p:nvSpPr>
+          <p:cNvPr id="4" name="Título 3">
+            <a:extLst>
+              <a:ext uri="{FF2B5EF4-FFF2-40B4-BE49-F238E27FC236}">
+                <a16:creationId xmlns:a16="http://schemas.microsoft.com/office/drawing/2014/main" id="{084A253A-8465-6E09-F191-E85707ACA460}"/>
+              </a:ext>
+            </a:extLst>
+          </p:cNvPr>
+          <p:cNvSpPr>
+            <a:spLocks noGrp="1"/>
+          </p:cNvSpPr>
+          <p:nvPr>
+            <p:ph type="title"/>
+          </p:nvPr>
+        </p:nvSpPr>
+        <p:spPr/>
+        <p:txBody>
+          <a:bodyPr/>
+          <a:lstStyle/>
+          <a:p>
+            <a:pPr algn="ctr"/>
+            <a:r>
+              <a:rPr lang="pt-BR" dirty="0">
+                <a:solidFill>
+                  <a:srgbClr val="FFC000"/>
+                </a:solidFill>
+                <a:latin typeface="Exo" pitchFamily="2" charset="0"/>
+              </a:rPr>
+              <a:t>CONHEÇA NOSSO PROJETO PELO QR CODE ABAIXO!</a:t>
+            </a:r>
+            <a:r>
+              <a:rPr lang="pt-BR" sz="2800" dirty="0">
+                <a:solidFill>
+                  <a:srgbClr val="FFC000"/>
+                </a:solidFill>
+                <a:latin typeface="Exo" pitchFamily="2" charset="0"/>
+              </a:rPr>
+              <a:t> </a:t>
+            </a:r>
+            <a:endParaRPr lang="pt-BR" dirty="0"/>
+          </a:p>
+        </p:txBody>
+      </p:sp>
+      <p:pic>
+        <p:nvPicPr>
+          <p:cNvPr id="16" name="Espaço Reservado para Conteúdo 15">
+            <a:extLst>
+              <a:ext uri="{FF2B5EF4-FFF2-40B4-BE49-F238E27FC236}">
+                <a16:creationId xmlns:a16="http://schemas.microsoft.com/office/drawing/2014/main" id="{E2C40253-7E9E-7312-9B2B-95B8BA9842D5}"/>
+              </a:ext>
+            </a:extLst>
+          </p:cNvPr>
+          <p:cNvPicPr>
+            <a:picLocks noGrp="1" noChangeAspect="1"/>
+          </p:cNvPicPr>
+          <p:nvPr>
+            <p:ph idx="1"/>
+          </p:nvPr>
+        </p:nvPicPr>
+        <p:blipFill>
+          <a:blip r:embed="rId2"/>
+          <a:stretch>
+            <a:fillRect/>
+          </a:stretch>
+        </p:blipFill>
+        <p:spPr>
+          <a:xfrm>
+            <a:off x="4095002" y="1970355"/>
+            <a:ext cx="4001992" cy="4001992"/>
+          </a:xfrm>
+        </p:spPr>
+      </p:pic>
+    </p:spTree>
+    <p:extLst>
+      <p:ext uri="{BB962C8B-B14F-4D97-AF65-F5344CB8AC3E}">
+        <p14:creationId xmlns:p14="http://schemas.microsoft.com/office/powerpoint/2010/main" val="1365615330"/>
+      </p:ext>
+    </p:extLst>
+  </p:cSld>
+  <p:clrMapOvr>
+    <a:masterClrMapping/>
+  </p:clrMapOvr>
+  <mc:AlternateContent xmlns:mc="http://schemas.openxmlformats.org/markup-compatibility/2006">
+    <mc:Choice xmlns:p14="http://schemas.microsoft.com/office/powerpoint/2010/main" Requires="p14">
+      <p:transition spd="med" p14:dur="700">
+        <p:fade/>
+      </p:transition>
+    </mc:Choice>
+    <mc:Fallback>
+      <p:transition spd="med">
+        <p:fade/>
+      </p:transition>
+    </mc:Fallback>
+  </mc:AlternateContent>
+</p:sld>
+</file>
+
+<file path=ppt/slides/slide8.xml><?xml version="1.0" encoding="utf-8"?>
+<p:sld xmlns:a="http://schemas.openxmlformats.org/drawingml/2006/main" xmlns:r="http://schemas.openxmlformats.org/officeDocument/2006/relationships" xmlns:p="http://schemas.openxmlformats.org/presentationml/2006/main">
+  <p:cSld>
+    <p:spTree>
+      <p:nvGrpSpPr>
+        <p:cNvPr id="1" name="">
+          <a:extLst>
+            <a:ext uri="{FF2B5EF4-FFF2-40B4-BE49-F238E27FC236}">
+              <a16:creationId xmlns:a16="http://schemas.microsoft.com/office/drawing/2014/main" id="{D49B8A74-37C0-F6EB-C9A8-C35427721202}"/>
+            </a:ext>
+          </a:extLst>
+        </p:cNvPr>
+        <p:cNvGrpSpPr/>
+        <p:nvPr/>
+      </p:nvGrpSpPr>
+      <p:grpSpPr>
+        <a:xfrm>
+          <a:off x="0" y="0"/>
+          <a:ext cx="0" cy="0"/>
+          <a:chOff x="0" y="0"/>
+          <a:chExt cx="0" cy="0"/>
+        </a:xfrm>
+      </p:grpSpPr>
+      <p:sp>
+        <p:nvSpPr>
+          <p:cNvPr id="6" name="Espaço Reservado para Conteúdo 5">
+            <a:extLst>
+              <a:ext uri="{FF2B5EF4-FFF2-40B4-BE49-F238E27FC236}">
+                <a16:creationId xmlns:a16="http://schemas.microsoft.com/office/drawing/2014/main" id="{91A0D95D-D8CE-C541-1AE0-5DFBA146681C}"/>
+              </a:ext>
+            </a:extLst>
+          </p:cNvPr>
+          <p:cNvSpPr>
+            <a:spLocks noGrp="1"/>
+          </p:cNvSpPr>
+          <p:nvPr>
+            <p:ph idx="1"/>
+          </p:nvPr>
+        </p:nvSpPr>
+        <p:spPr>
+          <a:xfrm>
+            <a:off x="3670737" y="2142080"/>
+            <a:ext cx="4850521" cy="3670142"/>
+          </a:xfrm>
+        </p:spPr>
+        <p:txBody>
+          <a:bodyPr>
+            <a:normAutofit/>
+          </a:bodyPr>
+          <a:lstStyle/>
+          <a:p>
+            <a:pPr marL="342900" indent="-342900" algn="ctr">
+              <a:buFont typeface="+mj-lt"/>
+              <a:buAutoNum type="arabicPeriod"/>
+            </a:pPr>
+            <a:r>
+              <a:rPr lang="en-US" sz="2800" dirty="0" err="1">
+                <a:solidFill>
+                  <a:srgbClr val="F2EBD7"/>
+                </a:solidFill>
+                <a:latin typeface="Exo" pitchFamily="2" charset="0"/>
+                <a:ea typeface="Clear Sans"/>
+                <a:cs typeface="Clear Sans"/>
+                <a:sym typeface="Clear Sans"/>
+              </a:rPr>
+              <a:t>Aprovação</a:t>
+            </a:r>
+            <a:r>
+              <a:rPr lang="en-US" sz="2800" dirty="0">
+                <a:solidFill>
+                  <a:srgbClr val="F2EBD7"/>
+                </a:solidFill>
+                <a:latin typeface="Exo" pitchFamily="2" charset="0"/>
+                <a:ea typeface="Clear Sans"/>
+                <a:cs typeface="Clear Sans"/>
+                <a:sym typeface="Clear Sans"/>
+              </a:rPr>
+              <a:t> de </a:t>
+            </a:r>
+            <a:r>
+              <a:rPr lang="en-US" sz="2800" dirty="0" err="1">
+                <a:solidFill>
+                  <a:srgbClr val="F2EBD7"/>
+                </a:solidFill>
+                <a:latin typeface="Exo" pitchFamily="2" charset="0"/>
+                <a:ea typeface="Clear Sans"/>
+                <a:cs typeface="Clear Sans"/>
+                <a:sym typeface="Clear Sans"/>
+              </a:rPr>
+              <a:t>Etapas</a:t>
+            </a:r>
+            <a:endParaRPr lang="en-US" sz="2800" dirty="0">
+              <a:solidFill>
+                <a:srgbClr val="F2EBD7"/>
+              </a:solidFill>
+              <a:latin typeface="Exo" pitchFamily="2" charset="0"/>
+              <a:ea typeface="Clear Sans"/>
+              <a:cs typeface="Clear Sans"/>
+              <a:sym typeface="Clear Sans"/>
+            </a:endParaRPr>
+          </a:p>
+          <a:p>
+            <a:pPr marL="342900" indent="-342900" algn="ctr">
+              <a:buFont typeface="+mj-lt"/>
+              <a:buAutoNum type="arabicPeriod"/>
+            </a:pPr>
+            <a:r>
+              <a:rPr lang="en-US" sz="2800" dirty="0" err="1">
+                <a:solidFill>
+                  <a:srgbClr val="F2EBD7"/>
+                </a:solidFill>
+                <a:latin typeface="Exo" pitchFamily="2" charset="0"/>
+                <a:ea typeface="Clear Sans"/>
+                <a:cs typeface="Clear Sans"/>
+                <a:sym typeface="Clear Sans"/>
+              </a:rPr>
+              <a:t>Adicionar</a:t>
+            </a:r>
+            <a:r>
+              <a:rPr lang="en-US" sz="2800" dirty="0">
+                <a:solidFill>
+                  <a:srgbClr val="F2EBD7"/>
+                </a:solidFill>
+                <a:latin typeface="Exo" pitchFamily="2" charset="0"/>
+                <a:ea typeface="Clear Sans"/>
+                <a:cs typeface="Clear Sans"/>
+                <a:sym typeface="Clear Sans"/>
+              </a:rPr>
+              <a:t> </a:t>
+            </a:r>
+            <a:r>
+              <a:rPr lang="en-US" sz="2800" dirty="0" err="1">
+                <a:solidFill>
+                  <a:srgbClr val="F2EBD7"/>
+                </a:solidFill>
+                <a:latin typeface="Exo" pitchFamily="2" charset="0"/>
+                <a:ea typeface="Clear Sans"/>
+                <a:cs typeface="Clear Sans"/>
+                <a:sym typeface="Clear Sans"/>
+              </a:rPr>
+              <a:t>mais</a:t>
+            </a:r>
+            <a:r>
+              <a:rPr lang="en-US" sz="2800" dirty="0">
+                <a:solidFill>
+                  <a:srgbClr val="F2EBD7"/>
+                </a:solidFill>
+                <a:latin typeface="Exo" pitchFamily="2" charset="0"/>
+                <a:ea typeface="Clear Sans"/>
+                <a:cs typeface="Clear Sans"/>
+                <a:sym typeface="Clear Sans"/>
+              </a:rPr>
+              <a:t> </a:t>
+            </a:r>
+            <a:r>
+              <a:rPr lang="en-US" sz="2800" dirty="0" err="1">
+                <a:solidFill>
+                  <a:srgbClr val="F2EBD7"/>
+                </a:solidFill>
+                <a:latin typeface="Exo" pitchFamily="2" charset="0"/>
+                <a:ea typeface="Clear Sans"/>
+                <a:cs typeface="Clear Sans"/>
+                <a:sym typeface="Clear Sans"/>
+              </a:rPr>
+              <a:t>Funções</a:t>
+            </a:r>
+            <a:r>
+              <a:rPr lang="en-US" sz="2800" dirty="0">
+                <a:solidFill>
+                  <a:srgbClr val="F2EBD7"/>
+                </a:solidFill>
+                <a:latin typeface="Exo" pitchFamily="2" charset="0"/>
+                <a:ea typeface="Clear Sans"/>
+                <a:cs typeface="Clear Sans"/>
+                <a:sym typeface="Clear Sans"/>
+              </a:rPr>
+              <a:t> de </a:t>
+            </a:r>
+            <a:r>
+              <a:rPr lang="en-US" sz="2800" dirty="0" err="1">
+                <a:solidFill>
+                  <a:srgbClr val="F2EBD7"/>
+                </a:solidFill>
+                <a:latin typeface="Exo" pitchFamily="2" charset="0"/>
+                <a:ea typeface="Clear Sans"/>
+                <a:cs typeface="Clear Sans"/>
+                <a:sym typeface="Clear Sans"/>
+              </a:rPr>
+              <a:t>Segurança</a:t>
+            </a:r>
+            <a:endParaRPr lang="en-US" sz="2800" dirty="0">
+              <a:solidFill>
+                <a:srgbClr val="F2EBD7"/>
+              </a:solidFill>
+              <a:latin typeface="Exo" pitchFamily="2" charset="0"/>
+              <a:ea typeface="Clear Sans"/>
+              <a:cs typeface="Clear Sans"/>
+              <a:sym typeface="Clear Sans"/>
+            </a:endParaRPr>
+          </a:p>
+          <a:p>
+            <a:pPr marL="342900" indent="-342900" algn="ctr">
+              <a:buFont typeface="+mj-lt"/>
+              <a:buAutoNum type="arabicPeriod"/>
+            </a:pPr>
+            <a:r>
+              <a:rPr lang="en-US" sz="2800" dirty="0" err="1">
+                <a:solidFill>
+                  <a:srgbClr val="F2EBD7"/>
+                </a:solidFill>
+                <a:latin typeface="Exo" pitchFamily="2" charset="0"/>
+                <a:ea typeface="Clear Sans"/>
+                <a:cs typeface="Clear Sans"/>
+                <a:sym typeface="Clear Sans"/>
+              </a:rPr>
+              <a:t>Automatizar</a:t>
+            </a:r>
+            <a:r>
+              <a:rPr lang="en-US" sz="2800" dirty="0">
+                <a:solidFill>
+                  <a:srgbClr val="F2EBD7"/>
+                </a:solidFill>
+                <a:latin typeface="Exo" pitchFamily="2" charset="0"/>
+                <a:ea typeface="Clear Sans"/>
+                <a:cs typeface="Clear Sans"/>
+                <a:sym typeface="Clear Sans"/>
+              </a:rPr>
+              <a:t> </a:t>
+            </a:r>
+            <a:r>
+              <a:rPr lang="en-US" sz="2800" dirty="0" err="1">
+                <a:solidFill>
+                  <a:srgbClr val="F2EBD7"/>
+                </a:solidFill>
+                <a:latin typeface="Exo" pitchFamily="2" charset="0"/>
+                <a:ea typeface="Clear Sans"/>
+                <a:cs typeface="Clear Sans"/>
+                <a:sym typeface="Clear Sans"/>
+              </a:rPr>
+              <a:t>Preenchimento</a:t>
+            </a:r>
+            <a:endParaRPr lang="en-US" sz="2800" dirty="0">
+              <a:solidFill>
+                <a:srgbClr val="F2EBD7"/>
+              </a:solidFill>
+              <a:latin typeface="Exo" pitchFamily="2" charset="0"/>
+              <a:ea typeface="Clear Sans"/>
+              <a:cs typeface="Clear Sans"/>
+              <a:sym typeface="Clear Sans"/>
+            </a:endParaRPr>
+          </a:p>
+          <a:p>
+            <a:pPr marL="342900" indent="-342900" algn="ctr">
+              <a:buFont typeface="+mj-lt"/>
+              <a:buAutoNum type="arabicPeriod"/>
+            </a:pPr>
+            <a:r>
+              <a:rPr lang="en-US" sz="2800" dirty="0">
+                <a:solidFill>
+                  <a:srgbClr val="F2EBD7"/>
+                </a:solidFill>
+                <a:latin typeface="Exo" pitchFamily="2" charset="0"/>
+                <a:ea typeface="Clear Sans"/>
+                <a:cs typeface="Clear Sans"/>
+                <a:sym typeface="Clear Sans"/>
+              </a:rPr>
+              <a:t>Entre Outros</a:t>
+            </a:r>
+          </a:p>
+          <a:p>
+            <a:pPr marL="342900" indent="-342900" algn="ctr">
+              <a:buFont typeface="+mj-lt"/>
+              <a:buAutoNum type="arabicPeriod"/>
+            </a:pPr>
+            <a:endParaRPr lang="pt-BR" sz="2800" dirty="0">
+              <a:latin typeface="Exo" pitchFamily="2" charset="0"/>
+            </a:endParaRPr>
+          </a:p>
+        </p:txBody>
+      </p:sp>
+      <p:sp>
+        <p:nvSpPr>
+          <p:cNvPr id="10" name="Retângulo 9">
+            <a:extLst>
+              <a:ext uri="{FF2B5EF4-FFF2-40B4-BE49-F238E27FC236}">
+                <a16:creationId xmlns:a16="http://schemas.microsoft.com/office/drawing/2014/main" id="{6B16E58C-0359-DD4A-05A3-8FDD28BF29D5}"/>
+              </a:ext>
+            </a:extLst>
+          </p:cNvPr>
+          <p:cNvSpPr/>
+          <p:nvPr/>
+        </p:nvSpPr>
+        <p:spPr>
+          <a:xfrm>
+            <a:off x="0" y="6139542"/>
+            <a:ext cx="12192000" cy="718457"/>
+          </a:xfrm>
+          <a:prstGeom prst="rect">
+            <a:avLst/>
+          </a:prstGeom>
+          <a:solidFill>
+            <a:srgbClr val="3A3A3A"/>
+          </a:solidFill>
+          <a:ln>
+            <a:noFill/>
+          </a:ln>
+        </p:spPr>
+        <p:style>
+          <a:lnRef idx="2">
+            <a:schemeClr val="accent1">
+              <a:shade val="15000"/>
+            </a:schemeClr>
+          </a:lnRef>
+          <a:fillRef idx="1">
+            <a:schemeClr val="accent1"/>
+          </a:fillRef>
+          <a:effectRef idx="0">
+            <a:schemeClr val="accent1"/>
+          </a:effectRef>
+          <a:fontRef idx="minor">
+            <a:schemeClr val="lt1"/>
+          </a:fontRef>
+        </p:style>
+        <p:txBody>
+          <a:bodyPr rtlCol="0" anchor="ctr"/>
+          <a:lstStyle/>
+          <a:p>
+            <a:pPr algn="ctr"/>
+            <a:endParaRPr lang="pt-BR"/>
+          </a:p>
+        </p:txBody>
+      </p:sp>
+      <p:sp>
+        <p:nvSpPr>
+          <p:cNvPr id="7" name="Espaço Reservado para Rodapé 3">
+            <a:extLst>
+              <a:ext uri="{FF2B5EF4-FFF2-40B4-BE49-F238E27FC236}">
+                <a16:creationId xmlns:a16="http://schemas.microsoft.com/office/drawing/2014/main" id="{F2D62FC0-64A0-17AA-5C1A-74477188AC70}"/>
+              </a:ext>
+            </a:extLst>
+          </p:cNvPr>
+          <p:cNvSpPr>
+            <a:spLocks noGrp="1"/>
+          </p:cNvSpPr>
+          <p:nvPr>
+            <p:ph type="ftr" sz="quarter" idx="11"/>
+          </p:nvPr>
+        </p:nvSpPr>
+        <p:spPr>
+          <a:xfrm>
+            <a:off x="0" y="6259528"/>
+            <a:ext cx="2493820" cy="598471"/>
+          </a:xfrm>
+        </p:spPr>
+        <p:txBody>
+          <a:bodyPr/>
+          <a:lstStyle/>
+          <a:p>
+            <a:pPr rtl="0"/>
+            <a:endParaRPr lang="pt-BR" noProof="0" dirty="0">
+              <a:latin typeface="Exo" pitchFamily="2" charset="0"/>
+            </a:endParaRPr>
+          </a:p>
+        </p:txBody>
+      </p:sp>
+      <p:sp>
+        <p:nvSpPr>
+          <p:cNvPr id="4" name="Título 3">
+            <a:extLst>
+              <a:ext uri="{FF2B5EF4-FFF2-40B4-BE49-F238E27FC236}">
+                <a16:creationId xmlns:a16="http://schemas.microsoft.com/office/drawing/2014/main" id="{31B16F8D-2147-D594-103E-962AD9EEF4CE}"/>
+              </a:ext>
+            </a:extLst>
+          </p:cNvPr>
+          <p:cNvSpPr>
+            <a:spLocks noGrp="1"/>
+          </p:cNvSpPr>
+          <p:nvPr>
+            <p:ph type="title"/>
+          </p:nvPr>
+        </p:nvSpPr>
+        <p:spPr/>
+        <p:txBody>
+          <a:bodyPr/>
+          <a:lstStyle/>
+          <a:p>
+            <a:pPr algn="ctr"/>
+            <a:r>
+              <a:rPr lang="pt-BR" dirty="0">
+                <a:solidFill>
+                  <a:srgbClr val="FFC000"/>
+                </a:solidFill>
+                <a:latin typeface="Exo" pitchFamily="2" charset="0"/>
+              </a:rPr>
+              <a:t>O que buscamos aprimorar no futuro? </a:t>
+            </a:r>
+          </a:p>
+        </p:txBody>
+      </p:sp>
+    </p:spTree>
+    <p:extLst>
+      <p:ext uri="{BB962C8B-B14F-4D97-AF65-F5344CB8AC3E}">
+        <p14:creationId xmlns:p14="http://schemas.microsoft.com/office/powerpoint/2010/main" val="3249256456"/>
+      </p:ext>
+    </p:extLst>
+  </p:cSld>
+  <p:clrMapOvr>
+    <a:masterClrMapping/>
+  </p:clrMapOvr>
+  <mc:AlternateContent xmlns:mc="http://schemas.openxmlformats.org/markup-compatibility/2006">
+    <mc:Choice xmlns:p14="http://schemas.microsoft.com/office/powerpoint/2010/main" Requires="p14">
+      <p:transition spd="med" p14:dur="700">
+        <p:fade/>
+      </p:transition>
+    </mc:Choice>
+    <mc:Fallback>
+      <p:transition spd="med">
+        <p:fade/>
+      </p:transition>
+    </mc:Fallback>
+  </mc:AlternateContent>
+</p:sld>
+</file>
+
+<file path=ppt/slides/slide9.xml><?xml version="1.0" encoding="utf-8"?>
 <p:sld xmlns:a="http://schemas.openxmlformats.org/drawingml/2006/main" xmlns:r="http://schemas.openxmlformats.org/officeDocument/2006/relationships" xmlns:p="http://schemas.openxmlformats.org/presentationml/2006/main">
   <p:cSld>
     <p:spTree>
@@ -7222,6 +8122,18 @@
   <p:clrMapOvr>
     <a:masterClrMapping/>
   </p:clrMapOvr>
+  <mc:AlternateContent xmlns:mc="http://schemas.openxmlformats.org/markup-compatibility/2006">
+    <mc:Choice xmlns:p14="http://schemas.microsoft.com/office/powerpoint/2010/main" Requires="p14">
+      <p:transition spd="med" p14:dur="700">
+        <p:fade/>
+      </p:transition>
+    </mc:Choice>
+    <mc:Fallback>
+      <p:transition spd="med">
+        <p:fade/>
+      </p:transition>
+    </mc:Fallback>
+  </mc:AlternateContent>
 </p:sld>
 </file>
 

--- a/SLIDE 8D.pptx
+++ b/SLIDE 8D.pptx
@@ -5,10 +5,10 @@
     <p:sldMasterId id="2147483672" r:id="rId1"/>
   </p:sldMasterIdLst>
   <p:notesMasterIdLst>
-    <p:notesMasterId r:id="rId11"/>
+    <p:notesMasterId r:id="rId12"/>
   </p:notesMasterIdLst>
   <p:handoutMasterIdLst>
-    <p:handoutMasterId r:id="rId12"/>
+    <p:handoutMasterId r:id="rId13"/>
   </p:handoutMasterIdLst>
   <p:sldIdLst>
     <p:sldId id="256" r:id="rId2"/>
@@ -19,7 +19,8 @@
     <p:sldId id="303" r:id="rId7"/>
     <p:sldId id="305" r:id="rId8"/>
     <p:sldId id="306" r:id="rId9"/>
-    <p:sldId id="304" r:id="rId10"/>
+    <p:sldId id="307" r:id="rId10"/>
+    <p:sldId id="304" r:id="rId11"/>
   </p:sldIdLst>
   <p:sldSz cx="12192000" cy="6858000"/>
   <p:notesSz cx="6858000" cy="9144000"/>
@@ -946,13 +947,13 @@
   <p:clrMapOvr>
     <a:masterClrMapping/>
   </p:clrMapOvr>
-  <mc:AlternateContent xmlns:mc="http://schemas.openxmlformats.org/markup-compatibility/2006">
-    <mc:Choice xmlns:p14="http://schemas.microsoft.com/office/powerpoint/2010/main" Requires="p14">
+  <mc:AlternateContent xmlns:mc="http://schemas.openxmlformats.org/markup-compatibility/2006" xmlns:p14="http://schemas.microsoft.com/office/powerpoint/2010/main">
+    <mc:Choice Requires="p14">
       <p:transition spd="med" p14:dur="700">
         <p:fade/>
       </p:transition>
     </mc:Choice>
-    <mc:Fallback>
+    <mc:Fallback xmlns="">
       <p:transition spd="med">
         <p:fade/>
       </p:transition>
@@ -1199,13 +1200,13 @@
   <p:clrMapOvr>
     <a:masterClrMapping/>
   </p:clrMapOvr>
-  <mc:AlternateContent xmlns:mc="http://schemas.openxmlformats.org/markup-compatibility/2006">
-    <mc:Choice xmlns:p14="http://schemas.microsoft.com/office/powerpoint/2010/main" Requires="p14">
+  <mc:AlternateContent xmlns:mc="http://schemas.openxmlformats.org/markup-compatibility/2006" xmlns:p14="http://schemas.microsoft.com/office/powerpoint/2010/main">
+    <mc:Choice Requires="p14">
       <p:transition spd="med" p14:dur="700">
         <p:fade/>
       </p:transition>
     </mc:Choice>
-    <mc:Fallback>
+    <mc:Fallback xmlns="">
       <p:transition spd="med">
         <p:fade/>
       </p:transition>
@@ -1473,13 +1474,13 @@
   <p:clrMapOvr>
     <a:masterClrMapping/>
   </p:clrMapOvr>
-  <mc:AlternateContent xmlns:mc="http://schemas.openxmlformats.org/markup-compatibility/2006">
-    <mc:Choice xmlns:p14="http://schemas.microsoft.com/office/powerpoint/2010/main" Requires="p14">
+  <mc:AlternateContent xmlns:mc="http://schemas.openxmlformats.org/markup-compatibility/2006" xmlns:p14="http://schemas.microsoft.com/office/powerpoint/2010/main">
+    <mc:Choice Requires="p14">
       <p:transition spd="med" p14:dur="700">
         <p:fade/>
       </p:transition>
     </mc:Choice>
-    <mc:Fallback>
+    <mc:Fallback xmlns="">
       <p:transition spd="med">
         <p:fade/>
       </p:transition>
@@ -1752,13 +1753,13 @@
   <p:clrMapOvr>
     <a:masterClrMapping/>
   </p:clrMapOvr>
-  <mc:AlternateContent xmlns:mc="http://schemas.openxmlformats.org/markup-compatibility/2006">
-    <mc:Choice xmlns:p14="http://schemas.microsoft.com/office/powerpoint/2010/main" Requires="p14">
+  <mc:AlternateContent xmlns:mc="http://schemas.openxmlformats.org/markup-compatibility/2006" xmlns:p14="http://schemas.microsoft.com/office/powerpoint/2010/main">
+    <mc:Choice Requires="p14">
       <p:transition spd="med" p14:dur="700">
         <p:fade/>
       </p:transition>
     </mc:Choice>
-    <mc:Fallback>
+    <mc:Fallback xmlns="">
       <p:transition spd="med">
         <p:fade/>
       </p:transition>
@@ -2100,13 +2101,13 @@
   <p:clrMapOvr>
     <a:masterClrMapping/>
   </p:clrMapOvr>
-  <mc:AlternateContent xmlns:mc="http://schemas.openxmlformats.org/markup-compatibility/2006">
-    <mc:Choice xmlns:p14="http://schemas.microsoft.com/office/powerpoint/2010/main" Requires="p14">
+  <mc:AlternateContent xmlns:mc="http://schemas.openxmlformats.org/markup-compatibility/2006" xmlns:p14="http://schemas.microsoft.com/office/powerpoint/2010/main">
+    <mc:Choice Requires="p14">
       <p:transition spd="med" p14:dur="700">
         <p:fade/>
       </p:transition>
     </mc:Choice>
-    <mc:Fallback>
+    <mc:Fallback xmlns="">
       <p:transition spd="med">
         <p:fade/>
       </p:transition>
@@ -2402,13 +2403,13 @@
   <p:clrMapOvr>
     <a:masterClrMapping/>
   </p:clrMapOvr>
-  <mc:AlternateContent xmlns:mc="http://schemas.openxmlformats.org/markup-compatibility/2006">
-    <mc:Choice xmlns:p14="http://schemas.microsoft.com/office/powerpoint/2010/main" Requires="p14">
+  <mc:AlternateContent xmlns:mc="http://schemas.openxmlformats.org/markup-compatibility/2006" xmlns:p14="http://schemas.microsoft.com/office/powerpoint/2010/main">
+    <mc:Choice Requires="p14">
       <p:transition spd="med" p14:dur="700">
         <p:fade/>
       </p:transition>
     </mc:Choice>
-    <mc:Fallback>
+    <mc:Fallback xmlns="">
       <p:transition spd="med">
         <p:fade/>
       </p:transition>
@@ -2846,13 +2847,13 @@
   <p:clrMapOvr>
     <a:masterClrMapping/>
   </p:clrMapOvr>
-  <mc:AlternateContent xmlns:mc="http://schemas.openxmlformats.org/markup-compatibility/2006">
-    <mc:Choice xmlns:p14="http://schemas.microsoft.com/office/powerpoint/2010/main" Requires="p14">
+  <mc:AlternateContent xmlns:mc="http://schemas.openxmlformats.org/markup-compatibility/2006" xmlns:p14="http://schemas.microsoft.com/office/powerpoint/2010/main">
+    <mc:Choice Requires="p14">
       <p:transition spd="med" p14:dur="700">
         <p:fade/>
       </p:transition>
     </mc:Choice>
-    <mc:Fallback>
+    <mc:Fallback xmlns="">
       <p:transition spd="med">
         <p:fade/>
       </p:transition>
@@ -3032,13 +3033,13 @@
   <p:clrMapOvr>
     <a:masterClrMapping/>
   </p:clrMapOvr>
-  <mc:AlternateContent xmlns:mc="http://schemas.openxmlformats.org/markup-compatibility/2006">
-    <mc:Choice xmlns:p14="http://schemas.microsoft.com/office/powerpoint/2010/main" Requires="p14">
+  <mc:AlternateContent xmlns:mc="http://schemas.openxmlformats.org/markup-compatibility/2006" xmlns:p14="http://schemas.microsoft.com/office/powerpoint/2010/main">
+    <mc:Choice Requires="p14">
       <p:transition spd="med" p14:dur="700">
         <p:fade/>
       </p:transition>
     </mc:Choice>
-    <mc:Fallback>
+    <mc:Fallback xmlns="">
       <p:transition spd="med">
         <p:fade/>
       </p:transition>
@@ -3151,13 +3152,13 @@
   <p:clrMapOvr>
     <a:masterClrMapping/>
   </p:clrMapOvr>
-  <mc:AlternateContent xmlns:mc="http://schemas.openxmlformats.org/markup-compatibility/2006">
-    <mc:Choice xmlns:p14="http://schemas.microsoft.com/office/powerpoint/2010/main" Requires="p14">
+  <mc:AlternateContent xmlns:mc="http://schemas.openxmlformats.org/markup-compatibility/2006" xmlns:p14="http://schemas.microsoft.com/office/powerpoint/2010/main">
+    <mc:Choice Requires="p14">
       <p:transition spd="med" p14:dur="700">
         <p:fade/>
       </p:transition>
     </mc:Choice>
-    <mc:Fallback>
+    <mc:Fallback xmlns="">
       <p:transition spd="med">
         <p:fade/>
       </p:transition>
@@ -3574,13 +3575,13 @@
   <p:clrMapOvr>
     <a:masterClrMapping/>
   </p:clrMapOvr>
-  <mc:AlternateContent xmlns:mc="http://schemas.openxmlformats.org/markup-compatibility/2006">
-    <mc:Choice xmlns:p14="http://schemas.microsoft.com/office/powerpoint/2010/main" Requires="p14">
+  <mc:AlternateContent xmlns:mc="http://schemas.openxmlformats.org/markup-compatibility/2006" xmlns:p14="http://schemas.microsoft.com/office/powerpoint/2010/main">
+    <mc:Choice Requires="p14">
       <p:transition spd="med" p14:dur="700">
         <p:fade/>
       </p:transition>
     </mc:Choice>
-    <mc:Fallback>
+    <mc:Fallback xmlns="">
       <p:transition spd="med">
         <p:fade/>
       </p:transition>
@@ -3865,13 +3866,13 @@
   <p:clrMapOvr>
     <a:masterClrMapping/>
   </p:clrMapOvr>
-  <mc:AlternateContent xmlns:mc="http://schemas.openxmlformats.org/markup-compatibility/2006">
-    <mc:Choice xmlns:p14="http://schemas.microsoft.com/office/powerpoint/2010/main" Requires="p14">
+  <mc:AlternateContent xmlns:mc="http://schemas.openxmlformats.org/markup-compatibility/2006" xmlns:p14="http://schemas.microsoft.com/office/powerpoint/2010/main">
+    <mc:Choice Requires="p14">
       <p:transition spd="med" p14:dur="700">
         <p:fade/>
       </p:transition>
     </mc:Choice>
-    <mc:Fallback>
+    <mc:Fallback xmlns="">
       <p:transition spd="med">
         <p:fade/>
       </p:transition>
@@ -4237,13 +4238,13 @@
     <p:sldLayoutId id="2147483682" r:id="rId10"/>
     <p:sldLayoutId id="2147483683" r:id="rId11"/>
   </p:sldLayoutIdLst>
-  <mc:AlternateContent xmlns:mc="http://schemas.openxmlformats.org/markup-compatibility/2006">
-    <mc:Choice xmlns:p14="http://schemas.microsoft.com/office/powerpoint/2010/main" Requires="p14">
+  <mc:AlternateContent xmlns:mc="http://schemas.openxmlformats.org/markup-compatibility/2006" xmlns:p14="http://schemas.microsoft.com/office/powerpoint/2010/main">
+    <mc:Choice Requires="p14">
       <p:transition spd="med" p14:dur="700">
         <p:fade/>
       </p:transition>
     </mc:Choice>
-    <mc:Fallback>
+    <mc:Fallback xmlns="">
       <p:transition spd="med">
         <p:fade/>
       </p:transition>
@@ -4840,13 +4841,186 @@
   <p:clrMapOvr>
     <a:masterClrMapping/>
   </p:clrMapOvr>
-  <mc:AlternateContent xmlns:mc="http://schemas.openxmlformats.org/markup-compatibility/2006">
-    <mc:Choice xmlns:p14="http://schemas.microsoft.com/office/powerpoint/2010/main" Requires="p14">
+  <mc:AlternateContent xmlns:mc="http://schemas.openxmlformats.org/markup-compatibility/2006" xmlns:p14="http://schemas.microsoft.com/office/powerpoint/2010/main">
+    <mc:Choice Requires="p14">
       <p:transition spd="med" p14:dur="700">
         <p:fade/>
       </p:transition>
     </mc:Choice>
-    <mc:Fallback>
+    <mc:Fallback xmlns="">
+      <p:transition spd="med">
+        <p:fade/>
+      </p:transition>
+    </mc:Fallback>
+  </mc:AlternateContent>
+</p:sld>
+</file>
+
+<file path=ppt/slides/slide10.xml><?xml version="1.0" encoding="utf-8"?>
+<p:sld xmlns:a="http://schemas.openxmlformats.org/drawingml/2006/main" xmlns:r="http://schemas.openxmlformats.org/officeDocument/2006/relationships" xmlns:p="http://schemas.openxmlformats.org/presentationml/2006/main">
+  <p:cSld>
+    <p:spTree>
+      <p:nvGrpSpPr>
+        <p:cNvPr id="1" name="">
+          <a:extLst>
+            <a:ext uri="{FF2B5EF4-FFF2-40B4-BE49-F238E27FC236}">
+              <a16:creationId xmlns:a16="http://schemas.microsoft.com/office/drawing/2014/main" id="{338958B6-4A1F-D3BD-6286-60384C3808B5}"/>
+            </a:ext>
+          </a:extLst>
+        </p:cNvPr>
+        <p:cNvGrpSpPr/>
+        <p:nvPr/>
+      </p:nvGrpSpPr>
+      <p:grpSpPr>
+        <a:xfrm>
+          <a:off x="0" y="0"/>
+          <a:ext cx="0" cy="0"/>
+          <a:chOff x="0" y="0"/>
+          <a:chExt cx="0" cy="0"/>
+        </a:xfrm>
+      </p:grpSpPr>
+      <p:sp>
+        <p:nvSpPr>
+          <p:cNvPr id="2" name="Título 1">
+            <a:extLst>
+              <a:ext uri="{FF2B5EF4-FFF2-40B4-BE49-F238E27FC236}">
+                <a16:creationId xmlns:a16="http://schemas.microsoft.com/office/drawing/2014/main" id="{DFFB654B-E1F6-8947-2160-21230E122F44}"/>
+              </a:ext>
+            </a:extLst>
+          </p:cNvPr>
+          <p:cNvSpPr>
+            <a:spLocks noGrp="1"/>
+          </p:cNvSpPr>
+          <p:nvPr>
+            <p:ph type="title"/>
+          </p:nvPr>
+        </p:nvSpPr>
+        <p:spPr>
+          <a:xfrm>
+            <a:off x="2297592" y="3423424"/>
+            <a:ext cx="7596816" cy="1019462"/>
+          </a:xfrm>
+        </p:spPr>
+        <p:txBody>
+          <a:bodyPr>
+            <a:noAutofit/>
+          </a:bodyPr>
+          <a:lstStyle/>
+          <a:p>
+            <a:pPr algn="ctr"/>
+            <a:r>
+              <a:rPr lang="pt-BR" sz="6000" dirty="0">
+                <a:solidFill>
+                  <a:srgbClr val="FFC000"/>
+                </a:solidFill>
+                <a:latin typeface="Exo" pitchFamily="2" charset="0"/>
+              </a:rPr>
+              <a:t>OBRIGADO PELA ATENÇÃO!! </a:t>
+            </a:r>
+          </a:p>
+        </p:txBody>
+      </p:sp>
+      <p:sp>
+        <p:nvSpPr>
+          <p:cNvPr id="13" name="Retângulo 12">
+            <a:extLst>
+              <a:ext uri="{FF2B5EF4-FFF2-40B4-BE49-F238E27FC236}">
+                <a16:creationId xmlns:a16="http://schemas.microsoft.com/office/drawing/2014/main" id="{940E4D5E-8EED-2D98-ADA5-2265559C54BE}"/>
+              </a:ext>
+            </a:extLst>
+          </p:cNvPr>
+          <p:cNvSpPr/>
+          <p:nvPr/>
+        </p:nvSpPr>
+        <p:spPr>
+          <a:xfrm>
+            <a:off x="0" y="6127943"/>
+            <a:ext cx="12192000" cy="730058"/>
+          </a:xfrm>
+          <a:prstGeom prst="rect">
+            <a:avLst/>
+          </a:prstGeom>
+          <a:solidFill>
+            <a:srgbClr val="3A3A3A"/>
+          </a:solidFill>
+          <a:ln>
+            <a:noFill/>
+          </a:ln>
+        </p:spPr>
+        <p:style>
+          <a:lnRef idx="2">
+            <a:schemeClr val="accent1">
+              <a:shade val="15000"/>
+            </a:schemeClr>
+          </a:lnRef>
+          <a:fillRef idx="1">
+            <a:schemeClr val="accent1"/>
+          </a:fillRef>
+          <a:effectRef idx="0">
+            <a:schemeClr val="accent1"/>
+          </a:effectRef>
+          <a:fontRef idx="minor">
+            <a:schemeClr val="lt1"/>
+          </a:fontRef>
+        </p:style>
+        <p:txBody>
+          <a:bodyPr rtlCol="0" anchor="ctr"/>
+          <a:lstStyle/>
+          <a:p>
+            <a:pPr algn="ctr"/>
+            <a:endParaRPr lang="pt-BR"/>
+          </a:p>
+        </p:txBody>
+      </p:sp>
+      <p:pic>
+        <p:nvPicPr>
+          <p:cNvPr id="21" name="Espaço Reservado para Conteúdo 20">
+            <a:extLst>
+              <a:ext uri="{FF2B5EF4-FFF2-40B4-BE49-F238E27FC236}">
+                <a16:creationId xmlns:a16="http://schemas.microsoft.com/office/drawing/2014/main" id="{66D0729D-1662-48A4-5866-847367D91074}"/>
+              </a:ext>
+            </a:extLst>
+          </p:cNvPr>
+          <p:cNvPicPr>
+            <a:picLocks noGrp="1" noChangeAspect="1"/>
+          </p:cNvPicPr>
+          <p:nvPr>
+            <p:ph idx="1"/>
+          </p:nvPr>
+        </p:nvPicPr>
+        <p:blipFill>
+          <a:blip r:embed="rId2"/>
+          <a:stretch>
+            <a:fillRect/>
+          </a:stretch>
+        </p:blipFill>
+        <p:spPr>
+          <a:xfrm>
+            <a:off x="10561023" y="758034"/>
+            <a:ext cx="1131867" cy="1045606"/>
+          </a:xfrm>
+          <a:prstGeom prst="rect">
+            <a:avLst/>
+          </a:prstGeom>
+        </p:spPr>
+      </p:pic>
+    </p:spTree>
+    <p:extLst>
+      <p:ext uri="{BB962C8B-B14F-4D97-AF65-F5344CB8AC3E}">
+        <p14:creationId xmlns:p14="http://schemas.microsoft.com/office/powerpoint/2010/main" val="3387942162"/>
+      </p:ext>
+    </p:extLst>
+  </p:cSld>
+  <p:clrMapOvr>
+    <a:masterClrMapping/>
+  </p:clrMapOvr>
+  <mc:AlternateContent xmlns:mc="http://schemas.openxmlformats.org/markup-compatibility/2006" xmlns:p14="http://schemas.microsoft.com/office/powerpoint/2010/main">
+    <mc:Choice Requires="p14">
+      <p:transition spd="med" p14:dur="700">
+        <p:fade/>
+      </p:transition>
+    </mc:Choice>
+    <mc:Fallback xmlns="">
       <p:transition spd="med">
         <p:fade/>
       </p:transition>
@@ -5541,13 +5715,13 @@
   <p:clrMapOvr>
     <a:masterClrMapping/>
   </p:clrMapOvr>
-  <mc:AlternateContent xmlns:mc="http://schemas.openxmlformats.org/markup-compatibility/2006">
-    <mc:Choice xmlns:p14="http://schemas.microsoft.com/office/powerpoint/2010/main" Requires="p14">
+  <mc:AlternateContent xmlns:mc="http://schemas.openxmlformats.org/markup-compatibility/2006" xmlns:p14="http://schemas.microsoft.com/office/powerpoint/2010/main">
+    <mc:Choice Requires="p14">
       <p:transition spd="med" p14:dur="700">
         <p:fade/>
       </p:transition>
     </mc:Choice>
-    <mc:Fallback>
+    <mc:Fallback xmlns="">
       <p:transition spd="med">
         <p:fade/>
       </p:transition>
@@ -6392,13 +6566,13 @@
   <p:clrMapOvr>
     <a:masterClrMapping/>
   </p:clrMapOvr>
-  <mc:AlternateContent xmlns:mc="http://schemas.openxmlformats.org/markup-compatibility/2006">
-    <mc:Choice xmlns:p14="http://schemas.microsoft.com/office/powerpoint/2010/main" Requires="p14">
+  <mc:AlternateContent xmlns:mc="http://schemas.openxmlformats.org/markup-compatibility/2006" xmlns:p14="http://schemas.microsoft.com/office/powerpoint/2010/main">
+    <mc:Choice Requires="p14">
       <p:transition spd="med" p14:dur="700">
         <p:fade/>
       </p:transition>
     </mc:Choice>
-    <mc:Fallback>
+    <mc:Fallback xmlns="">
       <p:transition spd="med">
         <p:fade/>
       </p:transition>
@@ -6649,13 +6823,13 @@
   <p:clrMapOvr>
     <a:masterClrMapping/>
   </p:clrMapOvr>
-  <mc:AlternateContent xmlns:mc="http://schemas.openxmlformats.org/markup-compatibility/2006">
-    <mc:Choice xmlns:p14="http://schemas.microsoft.com/office/powerpoint/2010/main" Requires="p14">
+  <mc:AlternateContent xmlns:mc="http://schemas.openxmlformats.org/markup-compatibility/2006" xmlns:p14="http://schemas.microsoft.com/office/powerpoint/2010/main">
+    <mc:Choice Requires="p14">
       <p:transition spd="med" p14:dur="700">
         <p:fade/>
       </p:transition>
     </mc:Choice>
-    <mc:Fallback>
+    <mc:Fallback xmlns="">
       <p:transition spd="med">
         <p:fade/>
       </p:transition>
@@ -6957,13 +7131,13 @@
   <p:clrMapOvr>
     <a:masterClrMapping/>
   </p:clrMapOvr>
-  <mc:AlternateContent xmlns:mc="http://schemas.openxmlformats.org/markup-compatibility/2006">
-    <mc:Choice xmlns:p14="http://schemas.microsoft.com/office/powerpoint/2010/main" Requires="p14">
+  <mc:AlternateContent xmlns:mc="http://schemas.openxmlformats.org/markup-compatibility/2006" xmlns:p14="http://schemas.microsoft.com/office/powerpoint/2010/main">
+    <mc:Choice Requires="p14">
       <p:transition spd="med" p14:dur="700">
         <p:fade/>
       </p:transition>
     </mc:Choice>
-    <mc:Fallback>
+    <mc:Fallback xmlns="">
       <p:transition spd="med">
         <p:fade/>
       </p:transition>
@@ -7267,13 +7441,13 @@
   <p:clrMapOvr>
     <a:masterClrMapping/>
   </p:clrMapOvr>
-  <mc:AlternateContent xmlns:mc="http://schemas.openxmlformats.org/markup-compatibility/2006">
-    <mc:Choice xmlns:p14="http://schemas.microsoft.com/office/powerpoint/2010/main" Requires="p14">
+  <mc:AlternateContent xmlns:mc="http://schemas.openxmlformats.org/markup-compatibility/2006" xmlns:p14="http://schemas.microsoft.com/office/powerpoint/2010/main">
+    <mc:Choice Requires="p14">
       <p:transition spd="med" p14:dur="700">
         <p:fade/>
       </p:transition>
     </mc:Choice>
-    <mc:Fallback>
+    <mc:Fallback xmlns="">
       <p:transition spd="med">
         <p:fade/>
       </p:transition>
@@ -7525,13 +7699,13 @@
   <p:clrMapOvr>
     <a:masterClrMapping/>
   </p:clrMapOvr>
-  <mc:AlternateContent xmlns:mc="http://schemas.openxmlformats.org/markup-compatibility/2006">
-    <mc:Choice xmlns:p14="http://schemas.microsoft.com/office/powerpoint/2010/main" Requires="p14">
+  <mc:AlternateContent xmlns:mc="http://schemas.openxmlformats.org/markup-compatibility/2006" xmlns:p14="http://schemas.microsoft.com/office/powerpoint/2010/main">
+    <mc:Choice Requires="p14">
       <p:transition spd="med" p14:dur="700">
         <p:fade/>
       </p:transition>
     </mc:Choice>
-    <mc:Fallback>
+    <mc:Fallback xmlns="">
       <p:transition spd="med">
         <p:fade/>
       </p:transition>
@@ -7949,13 +8123,13 @@
   <p:clrMapOvr>
     <a:masterClrMapping/>
   </p:clrMapOvr>
-  <mc:AlternateContent xmlns:mc="http://schemas.openxmlformats.org/markup-compatibility/2006">
-    <mc:Choice xmlns:p14="http://schemas.microsoft.com/office/powerpoint/2010/main" Requires="p14">
+  <mc:AlternateContent xmlns:mc="http://schemas.openxmlformats.org/markup-compatibility/2006" xmlns:p14="http://schemas.microsoft.com/office/powerpoint/2010/main">
+    <mc:Choice Requires="p14">
       <p:transition spd="med" p14:dur="700">
         <p:fade/>
       </p:transition>
     </mc:Choice>
-    <mc:Fallback>
+    <mc:Fallback xmlns="">
       <p:transition spd="med">
         <p:fade/>
       </p:transition>
@@ -7972,7 +8146,7 @@
         <p:cNvPr id="1" name="">
           <a:extLst>
             <a:ext uri="{FF2B5EF4-FFF2-40B4-BE49-F238E27FC236}">
-              <a16:creationId xmlns:a16="http://schemas.microsoft.com/office/drawing/2014/main" id="{338958B6-4A1F-D3BD-6286-60384C3808B5}"/>
+              <a16:creationId xmlns:a16="http://schemas.microsoft.com/office/drawing/2014/main" id="{FDC2B1DD-4260-784A-87C8-BAC32EDFFE78}"/>
             </a:ext>
           </a:extLst>
         </p:cNvPr>
@@ -7992,7 +8166,7 @@
           <p:cNvPr id="2" name="Título 1">
             <a:extLst>
               <a:ext uri="{FF2B5EF4-FFF2-40B4-BE49-F238E27FC236}">
-                <a16:creationId xmlns:a16="http://schemas.microsoft.com/office/drawing/2014/main" id="{DFFB654B-E1F6-8947-2160-21230E122F44}"/>
+                <a16:creationId xmlns:a16="http://schemas.microsoft.com/office/drawing/2014/main" id="{49EC7AC0-409B-3AB0-D6DC-693493977272}"/>
               </a:ext>
             </a:extLst>
           </p:cNvPr>
@@ -8023,7 +8197,7 @@
                 </a:solidFill>
                 <a:latin typeface="Exo" pitchFamily="2" charset="0"/>
               </a:rPr>
-              <a:t>OBRIGADO PELA ATENÇÃO!! </a:t>
+              <a:t>Dúvidas?</a:t>
             </a:r>
           </a:p>
         </p:txBody>
@@ -8033,7 +8207,7 @@
           <p:cNvPr id="13" name="Retângulo 12">
             <a:extLst>
               <a:ext uri="{FF2B5EF4-FFF2-40B4-BE49-F238E27FC236}">
-                <a16:creationId xmlns:a16="http://schemas.microsoft.com/office/drawing/2014/main" id="{940E4D5E-8EED-2D98-ADA5-2265559C54BE}"/>
+                <a16:creationId xmlns:a16="http://schemas.microsoft.com/office/drawing/2014/main" id="{6AF10334-7CE9-D601-1A95-A34CE07865EC}"/>
               </a:ext>
             </a:extLst>
           </p:cNvPr>
@@ -8085,7 +8259,7 @@
           <p:cNvPr id="21" name="Espaço Reservado para Conteúdo 20">
             <a:extLst>
               <a:ext uri="{FF2B5EF4-FFF2-40B4-BE49-F238E27FC236}">
-                <a16:creationId xmlns:a16="http://schemas.microsoft.com/office/drawing/2014/main" id="{66D0729D-1662-48A4-5866-847367D91074}"/>
+                <a16:creationId xmlns:a16="http://schemas.microsoft.com/office/drawing/2014/main" id="{F9AE54CB-643E-18BB-947B-497374A99ACF}"/>
               </a:ext>
             </a:extLst>
           </p:cNvPr>
@@ -8115,20 +8289,20 @@
     </p:spTree>
     <p:extLst>
       <p:ext uri="{BB962C8B-B14F-4D97-AF65-F5344CB8AC3E}">
-        <p14:creationId xmlns:p14="http://schemas.microsoft.com/office/powerpoint/2010/main" val="3387942162"/>
+        <p14:creationId xmlns:p14="http://schemas.microsoft.com/office/powerpoint/2010/main" val="3485914260"/>
       </p:ext>
     </p:extLst>
   </p:cSld>
   <p:clrMapOvr>
     <a:masterClrMapping/>
   </p:clrMapOvr>
-  <mc:AlternateContent xmlns:mc="http://schemas.openxmlformats.org/markup-compatibility/2006">
-    <mc:Choice xmlns:p14="http://schemas.microsoft.com/office/powerpoint/2010/main" Requires="p14">
+  <mc:AlternateContent xmlns:mc="http://schemas.openxmlformats.org/markup-compatibility/2006" xmlns:p14="http://schemas.microsoft.com/office/powerpoint/2010/main">
+    <mc:Choice Requires="p14">
       <p:transition spd="med" p14:dur="700">
         <p:fade/>
       </p:transition>
     </mc:Choice>
-    <mc:Fallback>
+    <mc:Fallback xmlns="">
       <p:transition spd="med">
         <p:fade/>
       </p:transition>
